--- a/1. 기능정리/Project6 기능정리 - 송우.pptx
+++ b/1. 기능정리/Project6 기능정리 - 송우.pptx
@@ -107,6 +107,22 @@
       </a:defRPr>
     </a:lvl9pPr>
   </p:defaultTextStyle>
+  <p:extLst>
+    <p:ext uri="{EFAFB233-063F-42B5-8137-9DF3F51BA10A}">
+      <p15:sldGuideLst xmlns:p15="http://schemas.microsoft.com/office/powerpoint/2012/main">
+        <p15:guide id="1" orient="horz" pos="2160">
+          <p15:clr>
+            <a:srgbClr val="A4A3A4"/>
+          </p15:clr>
+        </p15:guide>
+        <p15:guide id="2" pos="2880">
+          <p15:clr>
+            <a:srgbClr val="A4A3A4"/>
+          </p15:clr>
+        </p15:guide>
+      </p15:sldGuideLst>
+    </p:ext>
+  </p:extLst>
 </p:presentation>
 </file>
 
@@ -291,7 +307,7 @@
           <a:p>
             <a:fld id="{BBE13259-56E5-4EC3-82D4-6EE9842A12E3}" type="datetimeFigureOut">
               <a:rPr lang="ko-KR" altLang="en-US" smtClean="0"/>
-              <a:t>2020-05-02</a:t>
+              <a:t>20-05-02 [Sat]</a:t>
             </a:fld>
             <a:endParaRPr lang="ko-KR" altLang="en-US"/>
           </a:p>
@@ -456,7 +472,7 @@
           <a:p>
             <a:fld id="{BBE13259-56E5-4EC3-82D4-6EE9842A12E3}" type="datetimeFigureOut">
               <a:rPr lang="ko-KR" altLang="en-US" smtClean="0"/>
-              <a:t>2020-05-02</a:t>
+              <a:t>20-05-02 [Sat]</a:t>
             </a:fld>
             <a:endParaRPr lang="ko-KR" altLang="en-US"/>
           </a:p>
@@ -631,7 +647,7 @@
           <a:p>
             <a:fld id="{BBE13259-56E5-4EC3-82D4-6EE9842A12E3}" type="datetimeFigureOut">
               <a:rPr lang="ko-KR" altLang="en-US" smtClean="0"/>
-              <a:t>2020-05-02</a:t>
+              <a:t>20-05-02 [Sat]</a:t>
             </a:fld>
             <a:endParaRPr lang="ko-KR" altLang="en-US"/>
           </a:p>
@@ -796,7 +812,7 @@
           <a:p>
             <a:fld id="{BBE13259-56E5-4EC3-82D4-6EE9842A12E3}" type="datetimeFigureOut">
               <a:rPr lang="ko-KR" altLang="en-US" smtClean="0"/>
-              <a:t>2020-05-02</a:t>
+              <a:t>20-05-02 [Sat]</a:t>
             </a:fld>
             <a:endParaRPr lang="ko-KR" altLang="en-US"/>
           </a:p>
@@ -1037,7 +1053,7 @@
           <a:p>
             <a:fld id="{BBE13259-56E5-4EC3-82D4-6EE9842A12E3}" type="datetimeFigureOut">
               <a:rPr lang="ko-KR" altLang="en-US" smtClean="0"/>
-              <a:t>2020-05-02</a:t>
+              <a:t>20-05-02 [Sat]</a:t>
             </a:fld>
             <a:endParaRPr lang="ko-KR" altLang="en-US"/>
           </a:p>
@@ -1320,7 +1336,7 @@
           <a:p>
             <a:fld id="{BBE13259-56E5-4EC3-82D4-6EE9842A12E3}" type="datetimeFigureOut">
               <a:rPr lang="ko-KR" altLang="en-US" smtClean="0"/>
-              <a:t>2020-05-02</a:t>
+              <a:t>20-05-02 [Sat]</a:t>
             </a:fld>
             <a:endParaRPr lang="ko-KR" altLang="en-US"/>
           </a:p>
@@ -1737,7 +1753,7 @@
           <a:p>
             <a:fld id="{BBE13259-56E5-4EC3-82D4-6EE9842A12E3}" type="datetimeFigureOut">
               <a:rPr lang="ko-KR" altLang="en-US" smtClean="0"/>
-              <a:t>2020-05-02</a:t>
+              <a:t>20-05-02 [Sat]</a:t>
             </a:fld>
             <a:endParaRPr lang="ko-KR" altLang="en-US"/>
           </a:p>
@@ -1850,7 +1866,7 @@
           <a:p>
             <a:fld id="{BBE13259-56E5-4EC3-82D4-6EE9842A12E3}" type="datetimeFigureOut">
               <a:rPr lang="ko-KR" altLang="en-US" smtClean="0"/>
-              <a:t>2020-05-02</a:t>
+              <a:t>20-05-02 [Sat]</a:t>
             </a:fld>
             <a:endParaRPr lang="ko-KR" altLang="en-US"/>
           </a:p>
@@ -1940,7 +1956,7 @@
           <a:p>
             <a:fld id="{BBE13259-56E5-4EC3-82D4-6EE9842A12E3}" type="datetimeFigureOut">
               <a:rPr lang="ko-KR" altLang="en-US" smtClean="0"/>
-              <a:t>2020-05-02</a:t>
+              <a:t>20-05-02 [Sat]</a:t>
             </a:fld>
             <a:endParaRPr lang="ko-KR" altLang="en-US"/>
           </a:p>
@@ -2212,7 +2228,7 @@
           <a:p>
             <a:fld id="{BBE13259-56E5-4EC3-82D4-6EE9842A12E3}" type="datetimeFigureOut">
               <a:rPr lang="ko-KR" altLang="en-US" smtClean="0"/>
-              <a:t>2020-05-02</a:t>
+              <a:t>20-05-02 [Sat]</a:t>
             </a:fld>
             <a:endParaRPr lang="ko-KR" altLang="en-US"/>
           </a:p>
@@ -2460,7 +2476,7 @@
           <a:p>
             <a:fld id="{BBE13259-56E5-4EC3-82D4-6EE9842A12E3}" type="datetimeFigureOut">
               <a:rPr lang="ko-KR" altLang="en-US" smtClean="0"/>
-              <a:t>2020-05-02</a:t>
+              <a:t>20-05-02 [Sat]</a:t>
             </a:fld>
             <a:endParaRPr lang="ko-KR" altLang="en-US"/>
           </a:p>
@@ -2668,7 +2684,7 @@
           <a:p>
             <a:fld id="{BBE13259-56E5-4EC3-82D4-6EE9842A12E3}" type="datetimeFigureOut">
               <a:rPr lang="ko-KR" altLang="en-US" smtClean="0"/>
-              <a:t>2020-05-02</a:t>
+              <a:t>20-05-02 [Sat]</a:t>
             </a:fld>
             <a:endParaRPr lang="ko-KR" altLang="en-US"/>
           </a:p>
@@ -3171,6 +3187,628 @@
           </a:p>
         </p:txBody>
       </p:sp>
+      <p:sp>
+        <p:nvSpPr>
+          <p:cNvPr id="2" name="TextBox 1"/>
+          <p:cNvSpPr txBox="1"/>
+          <p:nvPr/>
+        </p:nvSpPr>
+        <p:spPr>
+          <a:xfrm>
+            <a:off x="285720" y="836712"/>
+            <a:ext cx="8882560" cy="5632311"/>
+          </a:xfrm>
+          <a:prstGeom prst="rect">
+            <a:avLst/>
+          </a:prstGeom>
+          <a:noFill/>
+        </p:spPr>
+        <p:txBody>
+          <a:bodyPr wrap="none" rtlCol="0">
+            <a:spAutoFit/>
+          </a:bodyPr>
+          <a:lstStyle/>
+          <a:p>
+            <a:r>
+              <a:rPr lang="en-US" altLang="ko-KR" dirty="0" smtClean="0"/>
+              <a:t>0. </a:t>
+            </a:r>
+            <a:r>
+              <a:rPr lang="ko-KR" altLang="en-US" dirty="0" smtClean="0"/>
+              <a:t>프로젝트 이름</a:t>
+            </a:r>
+            <a:r>
+              <a:rPr lang="en-US" altLang="ko-KR" dirty="0" smtClean="0"/>
+              <a:t>: </a:t>
+            </a:r>
+            <a:r>
+              <a:rPr lang="ko-KR" altLang="en-US" dirty="0" err="1" smtClean="0"/>
+              <a:t>펀펀</a:t>
+            </a:r>
+            <a:r>
+              <a:rPr lang="en-US" altLang="ko-KR" dirty="0" smtClean="0"/>
+              <a:t>(</a:t>
+            </a:r>
+            <a:r>
+              <a:rPr lang="en-US" altLang="ko-KR" b="1" dirty="0" smtClean="0"/>
+              <a:t>fun</a:t>
+            </a:r>
+            <a:r>
+              <a:rPr lang="en-US" altLang="ko-KR" dirty="0" smtClean="0"/>
+              <a:t>-</a:t>
+            </a:r>
+            <a:r>
+              <a:rPr lang="en-US" altLang="ko-KR" b="1" dirty="0" smtClean="0"/>
+              <a:t>fun</a:t>
+            </a:r>
+            <a:r>
+              <a:rPr lang="en-US" altLang="ko-KR" dirty="0" smtClean="0"/>
+              <a:t>ding)</a:t>
+            </a:r>
+            <a:endParaRPr lang="en-US" altLang="ko-KR" dirty="0" smtClean="0"/>
+          </a:p>
+          <a:p>
+            <a:endParaRPr lang="en-US" altLang="ko-KR" dirty="0"/>
+          </a:p>
+          <a:p>
+            <a:r>
+              <a:rPr lang="en-US" altLang="ko-KR" dirty="0" smtClean="0"/>
+              <a:t>1. </a:t>
+            </a:r>
+            <a:r>
+              <a:rPr lang="ko-KR" altLang="en-US" dirty="0" smtClean="0"/>
+              <a:t>회원가입 및 로그인</a:t>
+            </a:r>
+            <a:endParaRPr lang="en-US" altLang="ko-KR" dirty="0" smtClean="0"/>
+          </a:p>
+          <a:p>
+            <a:r>
+              <a:rPr lang="en-US" altLang="ko-KR" dirty="0"/>
+              <a:t> </a:t>
+            </a:r>
+            <a:r>
+              <a:rPr lang="en-US" altLang="ko-KR" dirty="0" smtClean="0"/>
+              <a:t> - </a:t>
+            </a:r>
+            <a:r>
+              <a:rPr lang="ko-KR" altLang="en-US" dirty="0" err="1" smtClean="0"/>
+              <a:t>아이디찾기</a:t>
+            </a:r>
+            <a:r>
+              <a:rPr lang="en-US" altLang="ko-KR" dirty="0" smtClean="0"/>
+              <a:t>, </a:t>
+            </a:r>
+            <a:r>
+              <a:rPr lang="ko-KR" altLang="en-US" dirty="0" smtClean="0"/>
+              <a:t>비밀번호 찾기</a:t>
+            </a:r>
+            <a:r>
+              <a:rPr lang="en-US" altLang="ko-KR" dirty="0" smtClean="0"/>
+              <a:t>-&gt;</a:t>
+            </a:r>
+            <a:r>
+              <a:rPr lang="ko-KR" altLang="en-US" dirty="0" smtClean="0"/>
+              <a:t>비밀번호 수정</a:t>
+            </a:r>
+            <a:r>
+              <a:rPr lang="en-US" altLang="ko-KR" dirty="0" smtClean="0"/>
+              <a:t>,  </a:t>
+            </a:r>
+            <a:r>
+              <a:rPr lang="ko-KR" altLang="en-US" dirty="0" smtClean="0"/>
+              <a:t>회원가입</a:t>
+            </a:r>
+            <a:r>
+              <a:rPr lang="en-US" altLang="ko-KR" dirty="0" smtClean="0"/>
+              <a:t>(</a:t>
+            </a:r>
+            <a:r>
+              <a:rPr lang="ko-KR" altLang="en-US" dirty="0" smtClean="0"/>
+              <a:t>아이디</a:t>
+            </a:r>
+            <a:r>
+              <a:rPr lang="en-US" altLang="ko-KR" dirty="0" smtClean="0"/>
+              <a:t>, </a:t>
+            </a:r>
+            <a:r>
+              <a:rPr lang="ko-KR" altLang="en-US" dirty="0" smtClean="0"/>
+              <a:t>아이디 </a:t>
+            </a:r>
+            <a:r>
+              <a:rPr lang="ko-KR" altLang="en-US" dirty="0" err="1" smtClean="0"/>
+              <a:t>중복체크</a:t>
+            </a:r>
+            <a:endParaRPr lang="en-US" altLang="ko-KR" dirty="0" smtClean="0"/>
+          </a:p>
+          <a:p>
+            <a:r>
+              <a:rPr lang="en-US" altLang="ko-KR" dirty="0"/>
+              <a:t> </a:t>
+            </a:r>
+            <a:r>
+              <a:rPr lang="en-US" altLang="ko-KR" dirty="0" smtClean="0"/>
+              <a:t>   </a:t>
+            </a:r>
+            <a:r>
+              <a:rPr lang="ko-KR" altLang="en-US" dirty="0" smtClean="0"/>
+              <a:t>비밀번호</a:t>
+            </a:r>
+            <a:r>
+              <a:rPr lang="en-US" altLang="ko-KR" dirty="0" smtClean="0"/>
+              <a:t>, </a:t>
+            </a:r>
+            <a:r>
+              <a:rPr lang="ko-KR" altLang="en-US" dirty="0" smtClean="0"/>
+              <a:t>비밀번호 재입력</a:t>
+            </a:r>
+            <a:r>
+              <a:rPr lang="en-US" altLang="ko-KR" dirty="0" smtClean="0"/>
+              <a:t>, </a:t>
+            </a:r>
+            <a:r>
+              <a:rPr lang="ko-KR" altLang="en-US" dirty="0" smtClean="0"/>
+              <a:t>이름</a:t>
+            </a:r>
+            <a:r>
+              <a:rPr lang="en-US" altLang="ko-KR" dirty="0" smtClean="0"/>
+              <a:t>, </a:t>
+            </a:r>
+            <a:r>
+              <a:rPr lang="ko-KR" altLang="en-US" dirty="0" smtClean="0"/>
+              <a:t>전화번호</a:t>
+            </a:r>
+            <a:r>
+              <a:rPr lang="en-US" altLang="ko-KR" dirty="0" smtClean="0"/>
+              <a:t>, </a:t>
+            </a:r>
+            <a:r>
+              <a:rPr lang="ko-KR" altLang="en-US" dirty="0" smtClean="0"/>
+              <a:t>이메일</a:t>
+            </a:r>
+            <a:r>
+              <a:rPr lang="en-US" altLang="ko-KR" dirty="0" smtClean="0"/>
+              <a:t>)</a:t>
+            </a:r>
+          </a:p>
+          <a:p>
+            <a:endParaRPr lang="en-US" altLang="ko-KR" dirty="0"/>
+          </a:p>
+          <a:p>
+            <a:r>
+              <a:rPr lang="en-US" altLang="ko-KR" dirty="0" smtClean="0"/>
+              <a:t>2. </a:t>
+            </a:r>
+            <a:r>
+              <a:rPr lang="ko-KR" altLang="en-US" dirty="0" smtClean="0"/>
+              <a:t>프로젝트 등록</a:t>
+            </a:r>
+            <a:r>
+              <a:rPr lang="en-US" altLang="ko-KR" dirty="0" smtClean="0"/>
+              <a:t>(</a:t>
+            </a:r>
+            <a:r>
+              <a:rPr lang="ko-KR" altLang="en-US" dirty="0" smtClean="0"/>
+              <a:t>기업</a:t>
+            </a:r>
+            <a:r>
+              <a:rPr lang="en-US" altLang="ko-KR" dirty="0" smtClean="0"/>
+              <a:t>)</a:t>
+            </a:r>
+            <a:r>
+              <a:rPr lang="ko-KR" altLang="en-US" dirty="0" smtClean="0"/>
+              <a:t> 및 </a:t>
+            </a:r>
+            <a:r>
+              <a:rPr lang="ko-KR" altLang="en-US" dirty="0" err="1" smtClean="0"/>
+              <a:t>펀딩</a:t>
+            </a:r>
+            <a:r>
+              <a:rPr lang="en-US" altLang="ko-KR" dirty="0" smtClean="0"/>
+              <a:t>(</a:t>
+            </a:r>
+            <a:r>
+              <a:rPr lang="ko-KR" altLang="en-US" dirty="0" smtClean="0"/>
+              <a:t>개인</a:t>
+            </a:r>
+            <a:r>
+              <a:rPr lang="en-US" altLang="ko-KR" dirty="0" smtClean="0"/>
+              <a:t>)</a:t>
+            </a:r>
+          </a:p>
+          <a:p>
+            <a:r>
+              <a:rPr lang="en-US" altLang="ko-KR" dirty="0"/>
+              <a:t> </a:t>
+            </a:r>
+            <a:r>
+              <a:rPr lang="en-US" altLang="ko-KR" dirty="0" smtClean="0"/>
+              <a:t> - </a:t>
+            </a:r>
+            <a:r>
+              <a:rPr lang="ko-KR" altLang="en-US" dirty="0" smtClean="0"/>
+              <a:t>프로젝트 이름</a:t>
+            </a:r>
+            <a:r>
+              <a:rPr lang="en-US" altLang="ko-KR" dirty="0" smtClean="0"/>
+              <a:t>, </a:t>
+            </a:r>
+            <a:r>
+              <a:rPr lang="ko-KR" altLang="en-US" dirty="0" err="1" smtClean="0"/>
+              <a:t>썸네일</a:t>
+            </a:r>
+            <a:r>
+              <a:rPr lang="en-US" altLang="ko-KR" dirty="0" smtClean="0"/>
+              <a:t>, </a:t>
+            </a:r>
+            <a:r>
+              <a:rPr lang="ko-KR" altLang="en-US" dirty="0" smtClean="0"/>
+              <a:t>설명</a:t>
+            </a:r>
+            <a:r>
+              <a:rPr lang="en-US" altLang="ko-KR" dirty="0" smtClean="0"/>
+              <a:t>(</a:t>
+            </a:r>
+            <a:r>
+              <a:rPr lang="ko-KR" altLang="en-US" dirty="0" smtClean="0"/>
+              <a:t>이미지</a:t>
+            </a:r>
+            <a:r>
+              <a:rPr lang="en-US" altLang="ko-KR" dirty="0" smtClean="0"/>
+              <a:t>), </a:t>
+            </a:r>
+            <a:r>
+              <a:rPr lang="ko-KR" altLang="en-US" dirty="0" err="1" smtClean="0"/>
+              <a:t>펀딩목표금액</a:t>
+            </a:r>
+            <a:r>
+              <a:rPr lang="en-US" altLang="ko-KR" dirty="0" smtClean="0"/>
+              <a:t>, </a:t>
+            </a:r>
+            <a:r>
+              <a:rPr lang="ko-KR" altLang="en-US" dirty="0" err="1" smtClean="0"/>
+              <a:t>펀딩마감일</a:t>
+            </a:r>
+            <a:r>
+              <a:rPr lang="en-US" altLang="ko-KR" dirty="0" smtClean="0"/>
+              <a:t>, </a:t>
+            </a:r>
+          </a:p>
+          <a:p>
+            <a:r>
+              <a:rPr lang="en-US" altLang="ko-KR" dirty="0"/>
+              <a:t> </a:t>
+            </a:r>
+            <a:r>
+              <a:rPr lang="en-US" altLang="ko-KR" dirty="0" smtClean="0"/>
+              <a:t>   </a:t>
+            </a:r>
+            <a:r>
+              <a:rPr lang="ko-KR" altLang="en-US" dirty="0" err="1" smtClean="0"/>
+              <a:t>보상내용</a:t>
+            </a:r>
+            <a:r>
+              <a:rPr lang="en-US" altLang="ko-KR" dirty="0" smtClean="0"/>
+              <a:t>(</a:t>
+            </a:r>
+            <a:r>
+              <a:rPr lang="ko-KR" altLang="en-US" dirty="0" smtClean="0"/>
+              <a:t>물품인지</a:t>
+            </a:r>
+            <a:r>
+              <a:rPr lang="en-US" altLang="ko-KR" dirty="0" smtClean="0"/>
+              <a:t> </a:t>
+            </a:r>
+            <a:r>
+              <a:rPr lang="ko-KR" altLang="en-US" dirty="0" smtClean="0"/>
+              <a:t>현금인지</a:t>
+            </a:r>
+            <a:r>
+              <a:rPr lang="en-US" altLang="ko-KR" dirty="0" smtClean="0"/>
+              <a:t>. </a:t>
+            </a:r>
+            <a:r>
+              <a:rPr lang="ko-KR" altLang="en-US" dirty="0" err="1" smtClean="0"/>
+              <a:t>펀딩금액에</a:t>
+            </a:r>
+            <a:r>
+              <a:rPr lang="ko-KR" altLang="en-US" dirty="0" smtClean="0"/>
+              <a:t> 따른 보상 내용</a:t>
+            </a:r>
+            <a:r>
+              <a:rPr lang="en-US" altLang="ko-KR" dirty="0" smtClean="0"/>
+              <a:t>), </a:t>
+            </a:r>
+            <a:r>
+              <a:rPr lang="ko-KR" altLang="en-US" dirty="0" smtClean="0"/>
+              <a:t>키워드</a:t>
+            </a:r>
+            <a:r>
+              <a:rPr lang="en-US" altLang="ko-KR" dirty="0" smtClean="0"/>
+              <a:t>(</a:t>
+            </a:r>
+            <a:r>
+              <a:rPr lang="ko-KR" altLang="en-US" dirty="0" smtClean="0"/>
+              <a:t>해시태그</a:t>
+            </a:r>
+            <a:r>
+              <a:rPr lang="en-US" altLang="ko-KR" dirty="0" smtClean="0"/>
+              <a:t>?)</a:t>
+            </a:r>
+          </a:p>
+          <a:p>
+            <a:r>
+              <a:rPr lang="en-US" altLang="ko-KR" dirty="0" smtClean="0"/>
+              <a:t>  - </a:t>
+            </a:r>
+            <a:r>
+              <a:rPr lang="ko-KR" altLang="en-US" dirty="0" smtClean="0"/>
+              <a:t>현재 </a:t>
+            </a:r>
+            <a:r>
+              <a:rPr lang="ko-KR" altLang="en-US" dirty="0" err="1" smtClean="0"/>
+              <a:t>펀딩한</a:t>
+            </a:r>
+            <a:r>
+              <a:rPr lang="ko-KR" altLang="en-US" dirty="0" smtClean="0"/>
+              <a:t> 인원</a:t>
+            </a:r>
+            <a:r>
+              <a:rPr lang="en-US" altLang="ko-KR" dirty="0" smtClean="0"/>
+              <a:t>, </a:t>
+            </a:r>
+            <a:r>
+              <a:rPr lang="ko-KR" altLang="en-US" dirty="0" err="1" smtClean="0"/>
+              <a:t>펀딩된</a:t>
+            </a:r>
+            <a:r>
+              <a:rPr lang="ko-KR" altLang="en-US" dirty="0" smtClean="0"/>
+              <a:t> 금액</a:t>
+            </a:r>
+            <a:r>
+              <a:rPr lang="en-US" altLang="ko-KR" dirty="0" smtClean="0"/>
+              <a:t>, </a:t>
+            </a:r>
+            <a:r>
+              <a:rPr lang="ko-KR" altLang="en-US" dirty="0" err="1" smtClean="0"/>
+              <a:t>펀딩금액</a:t>
+            </a:r>
+            <a:r>
+              <a:rPr lang="ko-KR" altLang="en-US" dirty="0" smtClean="0"/>
+              <a:t> 및 </a:t>
+            </a:r>
+            <a:r>
+              <a:rPr lang="ko-KR" altLang="en-US" dirty="0" err="1" smtClean="0"/>
+              <a:t>보상선택</a:t>
+            </a:r>
+            <a:r>
+              <a:rPr lang="ko-KR" altLang="en-US" dirty="0" smtClean="0"/>
+              <a:t> </a:t>
+            </a:r>
+            <a:r>
+              <a:rPr lang="en-US" altLang="ko-KR" dirty="0" smtClean="0"/>
+              <a:t>-&gt; </a:t>
+            </a:r>
+          </a:p>
+          <a:p>
+            <a:r>
+              <a:rPr lang="en-US" altLang="ko-KR" dirty="0"/>
+              <a:t> </a:t>
+            </a:r>
+            <a:r>
+              <a:rPr lang="en-US" altLang="ko-KR" dirty="0" smtClean="0"/>
+              <a:t>   </a:t>
+            </a:r>
+            <a:r>
+              <a:rPr lang="ko-KR" altLang="en-US" dirty="0" err="1" smtClean="0"/>
+              <a:t>펀딩금액</a:t>
+            </a:r>
+            <a:r>
+              <a:rPr lang="ko-KR" altLang="en-US" dirty="0" smtClean="0"/>
+              <a:t> 결제</a:t>
+            </a:r>
+            <a:r>
+              <a:rPr lang="en-US" altLang="ko-KR" dirty="0" smtClean="0"/>
+              <a:t>(</a:t>
+            </a:r>
+            <a:r>
+              <a:rPr lang="ko-KR" altLang="en-US" dirty="0" smtClean="0"/>
+              <a:t>보상 받을 </a:t>
+            </a:r>
+            <a:r>
+              <a:rPr lang="ko-KR" altLang="en-US" dirty="0" err="1" smtClean="0"/>
+              <a:t>배송지</a:t>
+            </a:r>
+            <a:r>
+              <a:rPr lang="ko-KR" altLang="en-US" dirty="0" smtClean="0"/>
+              <a:t> 또는 계좌번호 입력</a:t>
+            </a:r>
+            <a:r>
+              <a:rPr lang="en-US" altLang="ko-KR" dirty="0" smtClean="0"/>
+              <a:t>)</a:t>
+            </a:r>
+            <a:endParaRPr lang="en-US" altLang="ko-KR" dirty="0"/>
+          </a:p>
+          <a:p>
+            <a:endParaRPr lang="en-US" altLang="ko-KR" dirty="0" smtClean="0"/>
+          </a:p>
+          <a:p>
+            <a:r>
+              <a:rPr lang="en-US" altLang="ko-KR" dirty="0" smtClean="0"/>
+              <a:t>3. </a:t>
+            </a:r>
+            <a:r>
+              <a:rPr lang="ko-KR" altLang="en-US" dirty="0" err="1" smtClean="0"/>
+              <a:t>펀딩</a:t>
+            </a:r>
+            <a:r>
+              <a:rPr lang="ko-KR" altLang="en-US" dirty="0" smtClean="0"/>
+              <a:t> 상품 판매 등록 및 구매</a:t>
+            </a:r>
+            <a:endParaRPr lang="en-US" altLang="ko-KR" dirty="0" smtClean="0"/>
+          </a:p>
+          <a:p>
+            <a:r>
+              <a:rPr lang="en-US" altLang="ko-KR" dirty="0"/>
+              <a:t> </a:t>
+            </a:r>
+            <a:r>
+              <a:rPr lang="en-US" altLang="ko-KR" dirty="0" smtClean="0"/>
+              <a:t> - </a:t>
+            </a:r>
+            <a:r>
+              <a:rPr lang="ko-KR" altLang="en-US" dirty="0" err="1" smtClean="0"/>
+              <a:t>상품이름</a:t>
+            </a:r>
+            <a:r>
+              <a:rPr lang="en-US" altLang="ko-KR" dirty="0" smtClean="0"/>
+              <a:t>, </a:t>
+            </a:r>
+            <a:r>
+              <a:rPr lang="ko-KR" altLang="en-US" dirty="0" smtClean="0"/>
+              <a:t>가격</a:t>
+            </a:r>
+            <a:r>
+              <a:rPr lang="en-US" altLang="ko-KR" dirty="0" smtClean="0"/>
+              <a:t>, </a:t>
+            </a:r>
+            <a:r>
+              <a:rPr lang="ko-KR" altLang="en-US" dirty="0" err="1" smtClean="0"/>
+              <a:t>썸네일</a:t>
+            </a:r>
+            <a:r>
+              <a:rPr lang="en-US" altLang="ko-KR" dirty="0" smtClean="0"/>
+              <a:t>, </a:t>
+            </a:r>
+            <a:r>
+              <a:rPr lang="ko-KR" altLang="en-US" dirty="0" smtClean="0"/>
+              <a:t>상품설명</a:t>
+            </a:r>
+            <a:endParaRPr lang="en-US" altLang="ko-KR" dirty="0" smtClean="0"/>
+          </a:p>
+          <a:p>
+            <a:endParaRPr lang="en-US" altLang="ko-KR" dirty="0" smtClean="0"/>
+          </a:p>
+          <a:p>
+            <a:r>
+              <a:rPr lang="en-US" altLang="ko-KR" dirty="0" smtClean="0"/>
+              <a:t>4. </a:t>
+            </a:r>
+            <a:r>
+              <a:rPr lang="ko-KR" altLang="en-US" dirty="0" smtClean="0"/>
+              <a:t>고객센터</a:t>
+            </a:r>
+            <a:endParaRPr lang="en-US" altLang="ko-KR" dirty="0"/>
+          </a:p>
+          <a:p>
+            <a:r>
+              <a:rPr lang="en-US" altLang="ko-KR" dirty="0"/>
+              <a:t>  - </a:t>
+            </a:r>
+            <a:r>
+              <a:rPr lang="ko-KR" altLang="en-US" dirty="0" smtClean="0"/>
+              <a:t>사이트</a:t>
+            </a:r>
+            <a:r>
+              <a:rPr lang="en-US" altLang="ko-KR" dirty="0" smtClean="0"/>
+              <a:t>(</a:t>
+            </a:r>
+            <a:r>
+              <a:rPr lang="ko-KR" altLang="en-US" dirty="0" smtClean="0"/>
+              <a:t>회사</a:t>
+            </a:r>
+            <a:r>
+              <a:rPr lang="en-US" altLang="ko-KR" dirty="0" smtClean="0"/>
+              <a:t>)</a:t>
+            </a:r>
+            <a:r>
+              <a:rPr lang="ko-KR" altLang="en-US" dirty="0" smtClean="0"/>
+              <a:t> 소개</a:t>
+            </a:r>
+            <a:r>
+              <a:rPr lang="en-US" altLang="ko-KR" dirty="0" smtClean="0"/>
+              <a:t>, </a:t>
+            </a:r>
+            <a:r>
+              <a:rPr lang="ko-KR" altLang="en-US" dirty="0" smtClean="0"/>
+              <a:t>공지사항</a:t>
+            </a:r>
+            <a:r>
+              <a:rPr lang="en-US" altLang="ko-KR" dirty="0"/>
+              <a:t>, FAQ, 1:1</a:t>
+            </a:r>
+            <a:r>
+              <a:rPr lang="ko-KR" altLang="en-US" dirty="0"/>
+              <a:t>문의 </a:t>
+            </a:r>
+            <a:r>
+              <a:rPr lang="ko-KR" altLang="en-US" dirty="0" smtClean="0"/>
+              <a:t>등록</a:t>
+            </a:r>
+            <a:endParaRPr lang="en-US" altLang="ko-KR" dirty="0"/>
+          </a:p>
+          <a:p>
+            <a:endParaRPr lang="en-US" altLang="ko-KR" dirty="0"/>
+          </a:p>
+          <a:p>
+            <a:r>
+              <a:rPr lang="en-US" altLang="ko-KR" dirty="0"/>
+              <a:t>5</a:t>
+            </a:r>
+            <a:r>
+              <a:rPr lang="en-US" altLang="ko-KR" dirty="0" smtClean="0"/>
+              <a:t>. </a:t>
+            </a:r>
+            <a:r>
+              <a:rPr lang="ko-KR" altLang="en-US" dirty="0" err="1" smtClean="0"/>
+              <a:t>마이페이지</a:t>
+            </a:r>
+            <a:endParaRPr lang="en-US" altLang="ko-KR" dirty="0" smtClean="0"/>
+          </a:p>
+          <a:p>
+            <a:r>
+              <a:rPr lang="en-US" altLang="ko-KR" dirty="0"/>
+              <a:t> </a:t>
+            </a:r>
+            <a:r>
+              <a:rPr lang="en-US" altLang="ko-KR" dirty="0" smtClean="0"/>
+              <a:t> - </a:t>
+            </a:r>
+            <a:r>
+              <a:rPr lang="ko-KR" altLang="en-US" dirty="0" smtClean="0"/>
+              <a:t>회원정보수정 및 회원탈퇴</a:t>
+            </a:r>
+            <a:r>
+              <a:rPr lang="en-US" altLang="ko-KR" dirty="0" smtClean="0"/>
+              <a:t>, </a:t>
+            </a:r>
+            <a:r>
+              <a:rPr lang="ko-KR" altLang="en-US" dirty="0" err="1" smtClean="0"/>
+              <a:t>펀딩한</a:t>
+            </a:r>
+            <a:r>
+              <a:rPr lang="ko-KR" altLang="en-US" dirty="0" smtClean="0"/>
+              <a:t> 프로젝트 목록</a:t>
+            </a:r>
+            <a:r>
+              <a:rPr lang="en-US" altLang="ko-KR" dirty="0" smtClean="0"/>
+              <a:t>, </a:t>
+            </a:r>
+            <a:r>
+              <a:rPr lang="ko-KR" altLang="en-US" dirty="0" smtClean="0"/>
+              <a:t>구매 상품 목록</a:t>
+            </a:r>
+            <a:r>
+              <a:rPr lang="en-US" altLang="ko-KR" dirty="0" smtClean="0"/>
+              <a:t>, </a:t>
+            </a:r>
+            <a:r>
+              <a:rPr lang="ko-KR" altLang="en-US" dirty="0" smtClean="0"/>
+              <a:t>문의 내역</a:t>
+            </a:r>
+            <a:endParaRPr lang="en-US" altLang="ko-KR" dirty="0" smtClean="0"/>
+          </a:p>
+        </p:txBody>
+      </p:sp>
     </p:spTree>
   </p:cSld>
   <p:clrMapOvr>
@@ -3226,6 +3864,329 @@
           </a:p>
         </p:txBody>
       </p:sp>
+      <p:sp>
+        <p:nvSpPr>
+          <p:cNvPr id="3" name="TextBox 2"/>
+          <p:cNvSpPr txBox="1"/>
+          <p:nvPr/>
+        </p:nvSpPr>
+        <p:spPr>
+          <a:xfrm>
+            <a:off x="285720" y="836712"/>
+            <a:ext cx="5182829" cy="5078313"/>
+          </a:xfrm>
+          <a:prstGeom prst="rect">
+            <a:avLst/>
+          </a:prstGeom>
+          <a:noFill/>
+        </p:spPr>
+        <p:txBody>
+          <a:bodyPr wrap="none" rtlCol="0">
+            <a:spAutoFit/>
+          </a:bodyPr>
+          <a:lstStyle/>
+          <a:p>
+            <a:r>
+              <a:rPr lang="en-US" altLang="ko-KR" dirty="0" smtClean="0"/>
+              <a:t>1. </a:t>
+            </a:r>
+            <a:r>
+              <a:rPr lang="ko-KR" altLang="en-US" dirty="0" smtClean="0"/>
+              <a:t>회원관리</a:t>
+            </a:r>
+            <a:endParaRPr lang="en-US" altLang="ko-KR" dirty="0" smtClean="0"/>
+          </a:p>
+          <a:p>
+            <a:r>
+              <a:rPr lang="en-US" altLang="ko-KR" dirty="0"/>
+              <a:t> </a:t>
+            </a:r>
+            <a:r>
+              <a:rPr lang="en-US" altLang="ko-KR" dirty="0" smtClean="0"/>
+              <a:t> - </a:t>
+            </a:r>
+            <a:r>
+              <a:rPr lang="ko-KR" altLang="en-US" dirty="0" err="1" smtClean="0"/>
+              <a:t>회원목록</a:t>
+            </a:r>
+            <a:r>
+              <a:rPr lang="en-US" altLang="ko-KR" dirty="0" smtClean="0"/>
+              <a:t>, </a:t>
+            </a:r>
+            <a:r>
+              <a:rPr lang="ko-KR" altLang="en-US" dirty="0" smtClean="0"/>
+              <a:t>회원상세정보</a:t>
+            </a:r>
+            <a:r>
+              <a:rPr lang="en-US" altLang="ko-KR" dirty="0" smtClean="0"/>
+              <a:t> </a:t>
+            </a:r>
+            <a:endParaRPr lang="en-US" altLang="ko-KR" dirty="0"/>
+          </a:p>
+          <a:p>
+            <a:endParaRPr lang="en-US" altLang="ko-KR" dirty="0" smtClean="0"/>
+          </a:p>
+          <a:p>
+            <a:r>
+              <a:rPr lang="en-US" altLang="ko-KR" dirty="0" smtClean="0"/>
+              <a:t>2. </a:t>
+            </a:r>
+            <a:r>
+              <a:rPr lang="ko-KR" altLang="en-US" dirty="0" smtClean="0"/>
+              <a:t>프로젝트 관리</a:t>
+            </a:r>
+            <a:endParaRPr lang="en-US" altLang="ko-KR" dirty="0"/>
+          </a:p>
+          <a:p>
+            <a:r>
+              <a:rPr lang="en-US" altLang="ko-KR" dirty="0" smtClean="0"/>
+              <a:t> - </a:t>
+            </a:r>
+            <a:r>
+              <a:rPr lang="ko-KR" altLang="en-US" dirty="0" smtClean="0"/>
+              <a:t>프로젝트목록</a:t>
+            </a:r>
+            <a:r>
+              <a:rPr lang="en-US" altLang="ko-KR" dirty="0" smtClean="0"/>
+              <a:t>, </a:t>
+            </a:r>
+            <a:r>
+              <a:rPr lang="ko-KR" altLang="en-US" dirty="0" smtClean="0"/>
+              <a:t>상세정보</a:t>
+            </a:r>
+            <a:r>
+              <a:rPr lang="en-US" altLang="ko-KR" dirty="0" smtClean="0"/>
+              <a:t>, </a:t>
+            </a:r>
+            <a:r>
+              <a:rPr lang="ko-KR" altLang="en-US" dirty="0" smtClean="0"/>
+              <a:t>승인</a:t>
+            </a:r>
+            <a:r>
+              <a:rPr lang="en-US" altLang="ko-KR" dirty="0" smtClean="0"/>
+              <a:t>, </a:t>
+            </a:r>
+            <a:r>
+              <a:rPr lang="ko-KR" altLang="en-US" dirty="0" err="1" smtClean="0"/>
+              <a:t>관리자추천</a:t>
+            </a:r>
+            <a:endParaRPr lang="en-US" altLang="ko-KR" dirty="0" smtClean="0"/>
+          </a:p>
+          <a:p>
+            <a:endParaRPr lang="en-US" altLang="ko-KR" dirty="0" smtClean="0"/>
+          </a:p>
+          <a:p>
+            <a:r>
+              <a:rPr lang="en-US" altLang="ko-KR" dirty="0" smtClean="0"/>
+              <a:t>3. </a:t>
+            </a:r>
+            <a:r>
+              <a:rPr lang="ko-KR" altLang="en-US" dirty="0" smtClean="0"/>
+              <a:t>상품관리</a:t>
+            </a:r>
+            <a:endParaRPr lang="en-US" altLang="ko-KR" dirty="0" smtClean="0"/>
+          </a:p>
+          <a:p>
+            <a:r>
+              <a:rPr lang="en-US" altLang="ko-KR" dirty="0" smtClean="0"/>
+              <a:t> - </a:t>
+            </a:r>
+            <a:r>
+              <a:rPr lang="ko-KR" altLang="en-US" dirty="0" err="1" smtClean="0"/>
+              <a:t>상품목록</a:t>
+            </a:r>
+            <a:r>
+              <a:rPr lang="en-US" altLang="ko-KR" dirty="0" smtClean="0"/>
+              <a:t>, </a:t>
+            </a:r>
+            <a:r>
+              <a:rPr lang="ko-KR" altLang="en-US" dirty="0" smtClean="0"/>
+              <a:t>상세정보</a:t>
+            </a:r>
+            <a:r>
+              <a:rPr lang="en-US" altLang="ko-KR" dirty="0" smtClean="0"/>
+              <a:t>, </a:t>
+            </a:r>
+            <a:r>
+              <a:rPr lang="ko-KR" altLang="en-US" dirty="0" smtClean="0"/>
+              <a:t>승인</a:t>
+            </a:r>
+            <a:r>
+              <a:rPr lang="en-US" altLang="ko-KR" dirty="0" smtClean="0"/>
+              <a:t>, </a:t>
+            </a:r>
+            <a:r>
+              <a:rPr lang="ko-KR" altLang="en-US" dirty="0" err="1" smtClean="0"/>
+              <a:t>관리자추천</a:t>
+            </a:r>
+            <a:endParaRPr lang="en-US" altLang="ko-KR" dirty="0" smtClean="0"/>
+          </a:p>
+          <a:p>
+            <a:endParaRPr lang="en-US" altLang="ko-KR" dirty="0"/>
+          </a:p>
+          <a:p>
+            <a:r>
+              <a:rPr lang="en-US" altLang="ko-KR" dirty="0" smtClean="0"/>
+              <a:t>4. </a:t>
+            </a:r>
+            <a:r>
+              <a:rPr lang="ko-KR" altLang="en-US" dirty="0" smtClean="0"/>
+              <a:t>고객센터 관리</a:t>
+            </a:r>
+            <a:endParaRPr lang="en-US" altLang="ko-KR" dirty="0" smtClean="0"/>
+          </a:p>
+          <a:p>
+            <a:r>
+              <a:rPr lang="en-US" altLang="ko-KR" dirty="0" smtClean="0"/>
+              <a:t>  - </a:t>
+            </a:r>
+            <a:r>
+              <a:rPr lang="ko-KR" altLang="en-US" dirty="0" smtClean="0"/>
+              <a:t>공지사항목록</a:t>
+            </a:r>
+            <a:r>
+              <a:rPr lang="en-US" altLang="ko-KR" dirty="0" smtClean="0"/>
+              <a:t>, </a:t>
+            </a:r>
+            <a:r>
+              <a:rPr lang="ko-KR" altLang="en-US" dirty="0" smtClean="0"/>
+              <a:t>상세정보</a:t>
+            </a:r>
+            <a:r>
+              <a:rPr lang="en-US" altLang="ko-KR" dirty="0" smtClean="0"/>
+              <a:t>, </a:t>
+            </a:r>
+            <a:r>
+              <a:rPr lang="ko-KR" altLang="en-US" dirty="0" smtClean="0"/>
+              <a:t>등록 및 수정</a:t>
+            </a:r>
+            <a:endParaRPr lang="en-US" altLang="ko-KR" dirty="0" smtClean="0"/>
+          </a:p>
+          <a:p>
+            <a:r>
+              <a:rPr lang="en-US" altLang="ko-KR" dirty="0"/>
+              <a:t> </a:t>
+            </a:r>
+            <a:r>
+              <a:rPr lang="en-US" altLang="ko-KR" dirty="0" smtClean="0"/>
+              <a:t> - FAQ</a:t>
+            </a:r>
+            <a:r>
+              <a:rPr lang="ko-KR" altLang="en-US" dirty="0" smtClean="0"/>
+              <a:t>목록</a:t>
+            </a:r>
+            <a:r>
+              <a:rPr lang="en-US" altLang="ko-KR" dirty="0"/>
+              <a:t>, </a:t>
+            </a:r>
+            <a:r>
+              <a:rPr lang="ko-KR" altLang="en-US" dirty="0"/>
+              <a:t>상세정보</a:t>
+            </a:r>
+            <a:r>
+              <a:rPr lang="en-US" altLang="ko-KR" dirty="0"/>
+              <a:t>, </a:t>
+            </a:r>
+            <a:r>
+              <a:rPr lang="ko-KR" altLang="en-US" dirty="0"/>
+              <a:t>등록 및 </a:t>
+            </a:r>
+            <a:r>
+              <a:rPr lang="ko-KR" altLang="en-US" dirty="0" smtClean="0"/>
+              <a:t>수정</a:t>
+            </a:r>
+            <a:endParaRPr lang="en-US" altLang="ko-KR" dirty="0" smtClean="0"/>
+          </a:p>
+          <a:p>
+            <a:r>
+              <a:rPr lang="en-US" altLang="ko-KR" dirty="0" smtClean="0"/>
+              <a:t>  </a:t>
+            </a:r>
+            <a:r>
+              <a:rPr lang="en-US" altLang="ko-KR" dirty="0"/>
+              <a:t>- </a:t>
+            </a:r>
+            <a:r>
+              <a:rPr lang="en-US" altLang="ko-KR" dirty="0" smtClean="0"/>
+              <a:t>1:1</a:t>
+            </a:r>
+            <a:r>
+              <a:rPr lang="ko-KR" altLang="en-US" dirty="0" err="1" smtClean="0"/>
+              <a:t>문의목록</a:t>
+            </a:r>
+            <a:r>
+              <a:rPr lang="en-US" altLang="ko-KR" dirty="0"/>
+              <a:t>, </a:t>
+            </a:r>
+            <a:r>
+              <a:rPr lang="ko-KR" altLang="en-US" dirty="0"/>
+              <a:t>상세정보</a:t>
+            </a:r>
+            <a:r>
+              <a:rPr lang="en-US" altLang="ko-KR" dirty="0"/>
+              <a:t>, </a:t>
+            </a:r>
+            <a:r>
+              <a:rPr lang="ko-KR" altLang="en-US" dirty="0" err="1" smtClean="0"/>
+              <a:t>답변등록</a:t>
+            </a:r>
+            <a:r>
+              <a:rPr lang="en-US" altLang="ko-KR" dirty="0"/>
+              <a:t> </a:t>
+            </a:r>
+            <a:r>
+              <a:rPr lang="ko-KR" altLang="en-US" dirty="0" smtClean="0"/>
+              <a:t>및 </a:t>
+            </a:r>
+            <a:r>
+              <a:rPr lang="ko-KR" altLang="en-US" dirty="0" err="1" smtClean="0"/>
+              <a:t>답변수정</a:t>
+            </a:r>
+            <a:endParaRPr lang="en-US" altLang="ko-KR" dirty="0" smtClean="0"/>
+          </a:p>
+          <a:p>
+            <a:endParaRPr lang="en-US" altLang="ko-KR" dirty="0"/>
+          </a:p>
+          <a:p>
+            <a:r>
+              <a:rPr lang="en-US" altLang="ko-KR" dirty="0" smtClean="0"/>
+              <a:t>5. </a:t>
+            </a:r>
+            <a:r>
+              <a:rPr lang="ko-KR" altLang="en-US" dirty="0" smtClean="0"/>
+              <a:t>팝업 알림</a:t>
+            </a:r>
+            <a:endParaRPr lang="en-US" altLang="ko-KR" dirty="0" smtClean="0"/>
+          </a:p>
+          <a:p>
+            <a:r>
+              <a:rPr lang="en-US" altLang="ko-KR" dirty="0"/>
+              <a:t> </a:t>
+            </a:r>
+            <a:r>
+              <a:rPr lang="en-US" altLang="ko-KR" dirty="0" smtClean="0"/>
+              <a:t> - </a:t>
+            </a:r>
+            <a:r>
+              <a:rPr lang="ko-KR" altLang="en-US" dirty="0" smtClean="0"/>
+              <a:t>공지 및 광고 알림</a:t>
+            </a:r>
+            <a:endParaRPr lang="en-US" altLang="ko-KR" dirty="0"/>
+          </a:p>
+          <a:p>
+            <a:pPr marL="342900" indent="-342900">
+              <a:buAutoNum type="arabicPeriod"/>
+            </a:pPr>
+            <a:endParaRPr lang="en-US" altLang="ko-KR" dirty="0" smtClean="0"/>
+          </a:p>
+          <a:p>
+            <a:pPr marL="342900" indent="-342900">
+              <a:buAutoNum type="arabicPeriod"/>
+            </a:pPr>
+            <a:endParaRPr lang="en-US" altLang="ko-KR" dirty="0" smtClean="0"/>
+          </a:p>
+        </p:txBody>
+      </p:sp>
     </p:spTree>
   </p:cSld>
   <p:clrMapOvr>
@@ -3278,6 +4239,197 @@
               <a:t>기타 추가하고 싶은 기능</a:t>
             </a:r>
             <a:endParaRPr lang="en-US" altLang="ko-KR" dirty="0" smtClean="0"/>
+          </a:p>
+        </p:txBody>
+      </p:sp>
+      <p:sp>
+        <p:nvSpPr>
+          <p:cNvPr id="2" name="TextBox 1"/>
+          <p:cNvSpPr txBox="1"/>
+          <p:nvPr/>
+        </p:nvSpPr>
+        <p:spPr>
+          <a:xfrm>
+            <a:off x="539552" y="1268760"/>
+            <a:ext cx="5995552" cy="923330"/>
+          </a:xfrm>
+          <a:prstGeom prst="rect">
+            <a:avLst/>
+          </a:prstGeom>
+          <a:noFill/>
+        </p:spPr>
+        <p:txBody>
+          <a:bodyPr wrap="none" rtlCol="0">
+            <a:spAutoFit/>
+          </a:bodyPr>
+          <a:lstStyle/>
+          <a:p>
+            <a:r>
+              <a:rPr lang="ko-KR" altLang="en-US" dirty="0" smtClean="0"/>
+              <a:t>자유게시판</a:t>
+            </a:r>
+            <a:endParaRPr lang="en-US" altLang="ko-KR" dirty="0" smtClean="0"/>
+          </a:p>
+          <a:p>
+            <a:r>
+              <a:rPr lang="en-US" altLang="ko-KR" dirty="0"/>
+              <a:t> </a:t>
+            </a:r>
+            <a:r>
+              <a:rPr lang="en-US" altLang="ko-KR" dirty="0" smtClean="0"/>
+              <a:t> - </a:t>
+            </a:r>
+            <a:r>
+              <a:rPr lang="ko-KR" altLang="en-US" dirty="0" smtClean="0"/>
+              <a:t>회원이 글을 등록하고</a:t>
+            </a:r>
+            <a:r>
+              <a:rPr lang="en-US" altLang="ko-KR" dirty="0" smtClean="0"/>
+              <a:t>, </a:t>
+            </a:r>
+            <a:r>
+              <a:rPr lang="ko-KR" altLang="en-US" dirty="0" smtClean="0"/>
+              <a:t>댓글을 작성하는 게시판</a:t>
+            </a:r>
+            <a:endParaRPr lang="en-US" altLang="ko-KR" dirty="0" smtClean="0"/>
+          </a:p>
+          <a:p>
+            <a:r>
+              <a:rPr lang="en-US" altLang="ko-KR" dirty="0"/>
+              <a:t> </a:t>
+            </a:r>
+            <a:r>
+              <a:rPr lang="en-US" altLang="ko-KR" dirty="0" smtClean="0"/>
+              <a:t> - </a:t>
+            </a:r>
+            <a:r>
+              <a:rPr lang="ko-KR" altLang="en-US" dirty="0" err="1" smtClean="0"/>
+              <a:t>추천기능을</a:t>
+            </a:r>
+            <a:r>
+              <a:rPr lang="ko-KR" altLang="en-US" dirty="0" smtClean="0"/>
+              <a:t> 넣어</a:t>
+            </a:r>
+            <a:r>
+              <a:rPr lang="en-US" altLang="ko-KR" dirty="0" smtClean="0"/>
+              <a:t>, </a:t>
+            </a:r>
+            <a:r>
+              <a:rPr lang="ko-KR" altLang="en-US" dirty="0" smtClean="0"/>
+              <a:t>상위 추천 글을 게시판 상위에 표시</a:t>
+            </a:r>
+            <a:endParaRPr lang="en-US" altLang="ko-KR" dirty="0" smtClean="0"/>
+          </a:p>
+        </p:txBody>
+      </p:sp>
+      <p:sp>
+        <p:nvSpPr>
+          <p:cNvPr id="3" name="TextBox 2"/>
+          <p:cNvSpPr txBox="1"/>
+          <p:nvPr/>
+        </p:nvSpPr>
+        <p:spPr>
+          <a:xfrm>
+            <a:off x="683568" y="2708920"/>
+            <a:ext cx="8124340" cy="1200329"/>
+          </a:xfrm>
+          <a:prstGeom prst="rect">
+            <a:avLst/>
+          </a:prstGeom>
+          <a:noFill/>
+        </p:spPr>
+        <p:txBody>
+          <a:bodyPr wrap="none" rtlCol="0">
+            <a:spAutoFit/>
+          </a:bodyPr>
+          <a:lstStyle/>
+          <a:p>
+            <a:r>
+              <a:rPr lang="ko-KR" altLang="en-US" dirty="0" smtClean="0"/>
+              <a:t>프로젝트 </a:t>
+            </a:r>
+            <a:r>
+              <a:rPr lang="ko-KR" altLang="en-US" dirty="0" err="1" smtClean="0"/>
+              <a:t>댓글창</a:t>
+            </a:r>
+            <a:endParaRPr lang="en-US" altLang="ko-KR" dirty="0" smtClean="0"/>
+          </a:p>
+          <a:p>
+            <a:r>
+              <a:rPr lang="en-US" altLang="ko-KR" dirty="0"/>
+              <a:t> </a:t>
+            </a:r>
+            <a:r>
+              <a:rPr lang="en-US" altLang="ko-KR" dirty="0" smtClean="0"/>
+              <a:t> - </a:t>
+            </a:r>
+            <a:r>
+              <a:rPr lang="ko-KR" altLang="en-US" dirty="0" smtClean="0"/>
+              <a:t>프로젝트 </a:t>
+            </a:r>
+            <a:r>
+              <a:rPr lang="ko-KR" altLang="en-US" dirty="0" err="1" smtClean="0"/>
+              <a:t>상세화면</a:t>
+            </a:r>
+            <a:r>
+              <a:rPr lang="ko-KR" altLang="en-US" dirty="0" smtClean="0"/>
+              <a:t> 하단에 일반회원</a:t>
+            </a:r>
+            <a:r>
+              <a:rPr lang="en-US" altLang="ko-KR" dirty="0" smtClean="0"/>
+              <a:t>, </a:t>
+            </a:r>
+            <a:r>
+              <a:rPr lang="ko-KR" altLang="en-US" dirty="0" err="1" smtClean="0"/>
+              <a:t>펀딩회원</a:t>
+            </a:r>
+            <a:r>
+              <a:rPr lang="en-US" altLang="ko-KR" dirty="0" smtClean="0"/>
+              <a:t>, </a:t>
+            </a:r>
+            <a:r>
+              <a:rPr lang="ko-KR" altLang="en-US" dirty="0" smtClean="0"/>
+              <a:t>프로젝트관리자가 댓글을 </a:t>
+            </a:r>
+            <a:endParaRPr lang="en-US" altLang="ko-KR" dirty="0" smtClean="0"/>
+          </a:p>
+          <a:p>
+            <a:r>
+              <a:rPr lang="en-US" altLang="ko-KR" dirty="0"/>
+              <a:t> </a:t>
+            </a:r>
+            <a:r>
+              <a:rPr lang="en-US" altLang="ko-KR" dirty="0" smtClean="0"/>
+              <a:t>   </a:t>
+            </a:r>
+            <a:r>
+              <a:rPr lang="ko-KR" altLang="en-US" dirty="0" smtClean="0"/>
+              <a:t>작성하는 기능</a:t>
+            </a:r>
+            <a:endParaRPr lang="en-US" altLang="ko-KR" dirty="0"/>
+          </a:p>
+          <a:p>
+            <a:r>
+              <a:rPr lang="en-US" altLang="ko-KR" dirty="0" smtClean="0"/>
+              <a:t>    (</a:t>
+            </a:r>
+            <a:r>
+              <a:rPr lang="ko-KR" altLang="en-US" dirty="0" smtClean="0"/>
+              <a:t>프로젝트 관리자가 </a:t>
+            </a:r>
+            <a:r>
+              <a:rPr lang="ko-KR" altLang="en-US" dirty="0" err="1" smtClean="0"/>
+              <a:t>댓글창</a:t>
+            </a:r>
+            <a:r>
+              <a:rPr lang="ko-KR" altLang="en-US" dirty="0" smtClean="0"/>
+              <a:t> 관리</a:t>
+            </a:r>
+            <a:r>
+              <a:rPr lang="en-US" altLang="ko-KR" dirty="0"/>
+              <a:t>)</a:t>
+            </a:r>
+            <a:endParaRPr lang="ko-KR" altLang="en-US" dirty="0"/>
           </a:p>
         </p:txBody>
       </p:sp>
